--- a/docs/STEPS_SLIDESHOW.pptx
+++ b/docs/STEPS_SLIDESHOW.pptx
@@ -1608,10 +1608,9 @@
           </a:lstStyle>
           <a:p>
             <a:r>
-              <a:rPr lang="en-US"/>
+              <a:rPr lang="en-US" dirty="0"/>
               <a:t>Click to edit Master title style</a:t>
             </a:r>
-            <a:endParaRPr lang="en-US" dirty="0"/>
           </a:p>
         </p:txBody>
       </p:sp>
@@ -1683,10 +1682,9 @@
           </a:lstStyle>
           <a:p>
             <a:r>
-              <a:rPr lang="en-US"/>
+              <a:rPr lang="en-US" dirty="0"/>
               <a:t>Click to edit Master subtitle style</a:t>
             </a:r>
-            <a:endParaRPr lang="en-US" dirty="0"/>
           </a:p>
         </p:txBody>
       </p:sp>
@@ -13345,10 +13343,9 @@
           <a:lstStyle/>
           <a:p>
             <a:r>
-              <a:rPr lang="en-US"/>
+              <a:rPr lang="en-US" dirty="0"/>
               <a:t>Click to edit Master title style</a:t>
             </a:r>
-            <a:endParaRPr lang="en-US" dirty="0"/>
           </a:p>
         </p:txBody>
       </p:sp>
@@ -13385,38 +13382,37 @@
           <a:p>
             <a:pPr lvl="0"/>
             <a:r>
-              <a:rPr lang="en-US"/>
+              <a:rPr lang="en-US" dirty="0"/>
               <a:t>Click to edit Master text styles</a:t>
             </a:r>
           </a:p>
           <a:p>
             <a:pPr lvl="1"/>
             <a:r>
-              <a:rPr lang="en-US"/>
+              <a:rPr lang="en-US" dirty="0"/>
               <a:t>Second level</a:t>
             </a:r>
           </a:p>
           <a:p>
             <a:pPr lvl="2"/>
             <a:r>
-              <a:rPr lang="en-US"/>
+              <a:rPr lang="en-US" dirty="0"/>
               <a:t>Third level</a:t>
             </a:r>
           </a:p>
           <a:p>
             <a:pPr lvl="3"/>
             <a:r>
-              <a:rPr lang="en-US"/>
+              <a:rPr lang="en-US" dirty="0"/>
               <a:t>Fourth level</a:t>
             </a:r>
           </a:p>
           <a:p>
             <a:pPr lvl="4"/>
             <a:r>
-              <a:rPr lang="en-US"/>
+              <a:rPr lang="en-US" dirty="0"/>
               <a:t>Fifth level</a:t>
             </a:r>
-            <a:endParaRPr lang="en-US" dirty="0"/>
           </a:p>
         </p:txBody>
       </p:sp>
@@ -13651,7 +13647,7 @@
           <a:spcPct val="0"/>
         </a:spcBef>
         <a:buNone/>
-        <a:defRPr sz="4400" kern="1200">
+        <a:defRPr sz="4400" kern="1200" spc="-150">
           <a:solidFill>
             <a:schemeClr val="tx2"/>
           </a:solidFill>
@@ -13664,7 +13660,7 @@
     <p:bodyStyle>
       <a:lvl1pPr marL="228600" indent="-228600" algn="l" defTabSz="914400" rtl="0" eaLnBrk="1" latinLnBrk="0" hangingPunct="1">
         <a:lnSpc>
-          <a:spcPct val="110000"/>
+          <a:spcPct val="100000"/>
         </a:lnSpc>
         <a:spcBef>
           <a:spcPts val="1000"/>
@@ -13678,7 +13674,7 @@
         <a:buSzPct val="75000"/>
         <a:buFont typeface="Wingdings" panose="05000000000000000000" pitchFamily="2" charset="2"/>
         <a:buChar char="§"/>
-        <a:defRPr sz="2000" kern="1200">
+        <a:defRPr sz="2000" kern="1200" spc="0">
           <a:solidFill>
             <a:schemeClr val="tx2"/>
           </a:solidFill>
@@ -13689,7 +13685,7 @@
       </a:lvl1pPr>
       <a:lvl2pPr marL="457200" indent="-228600" algn="l" defTabSz="914400" rtl="0" eaLnBrk="1" latinLnBrk="0" hangingPunct="1">
         <a:lnSpc>
-          <a:spcPct val="110000"/>
+          <a:spcPct val="100000"/>
         </a:lnSpc>
         <a:spcBef>
           <a:spcPts val="500"/>
@@ -13703,7 +13699,7 @@
         <a:buSzPct val="75000"/>
         <a:buFont typeface="Wingdings" panose="05000000000000000000" pitchFamily="2" charset="2"/>
         <a:buChar char="§"/>
-        <a:defRPr sz="1800" kern="1200">
+        <a:defRPr sz="1800" kern="1200" spc="0">
           <a:solidFill>
             <a:schemeClr val="tx2"/>
           </a:solidFill>
@@ -13714,7 +13710,7 @@
       </a:lvl2pPr>
       <a:lvl3pPr marL="685800" indent="-228600" algn="l" defTabSz="914400" rtl="0" eaLnBrk="1" latinLnBrk="0" hangingPunct="1">
         <a:lnSpc>
-          <a:spcPct val="110000"/>
+          <a:spcPct val="100000"/>
         </a:lnSpc>
         <a:spcBef>
           <a:spcPts val="500"/>
@@ -13728,7 +13724,7 @@
         <a:buSzPct val="75000"/>
         <a:buFont typeface="Wingdings" panose="05000000000000000000" pitchFamily="2" charset="2"/>
         <a:buChar char="§"/>
-        <a:defRPr sz="1600" kern="1200">
+        <a:defRPr sz="1600" kern="1200" spc="0">
           <a:solidFill>
             <a:schemeClr val="tx2"/>
           </a:solidFill>
@@ -13739,7 +13735,7 @@
       </a:lvl3pPr>
       <a:lvl4pPr marL="914400" indent="-228600" algn="l" defTabSz="914400" rtl="0" eaLnBrk="1" latinLnBrk="0" hangingPunct="1">
         <a:lnSpc>
-          <a:spcPct val="110000"/>
+          <a:spcPct val="100000"/>
         </a:lnSpc>
         <a:spcBef>
           <a:spcPts val="500"/>
@@ -13753,7 +13749,7 @@
         <a:buSzPct val="75000"/>
         <a:buFont typeface="Wingdings" panose="05000000000000000000" pitchFamily="2" charset="2"/>
         <a:buChar char="§"/>
-        <a:defRPr sz="1400" kern="1200">
+        <a:defRPr sz="1400" kern="1200" spc="0">
           <a:solidFill>
             <a:schemeClr val="tx2"/>
           </a:solidFill>
@@ -13764,7 +13760,7 @@
       </a:lvl4pPr>
       <a:lvl5pPr marL="1143000" indent="-228600" algn="l" defTabSz="914400" rtl="0" eaLnBrk="1" latinLnBrk="0" hangingPunct="1">
         <a:lnSpc>
-          <a:spcPct val="110000"/>
+          <a:spcPct val="100000"/>
         </a:lnSpc>
         <a:spcBef>
           <a:spcPts val="500"/>
@@ -13778,7 +13774,7 @@
         <a:buSzPct val="75000"/>
         <a:buFont typeface="Wingdings" panose="05000000000000000000" pitchFamily="2" charset="2"/>
         <a:buChar char="§"/>
-        <a:defRPr sz="1400" kern="1200">
+        <a:defRPr sz="1400" kern="1200" spc="0">
           <a:solidFill>
             <a:schemeClr val="tx2"/>
           </a:solidFill>
@@ -16018,8 +16014,8 @@
         </p:nvSpPr>
         <p:spPr>
           <a:xfrm>
-            <a:off x="7083184" y="727258"/>
-            <a:ext cx="3907017" cy="1615977"/>
+            <a:off x="680161" y="539287"/>
+            <a:ext cx="6671569" cy="694915"/>
           </a:xfrm>
         </p:spPr>
         <p:txBody>
@@ -16029,8 +16025,10 @@
           <a:lstStyle/>
           <a:p>
             <a:r>
-              <a:rPr lang="en-SG"/>
-              <a:t>CS4240</a:t>
+              <a:rPr lang="en-SG" b="1" spc="-150" dirty="0">
+                <a:latin typeface="+mj-lt"/>
+              </a:rPr>
+              <a:t>CS4240 AY22-23 Group 5</a:t>
             </a:r>
           </a:p>
         </p:txBody>
@@ -16062,15 +16060,336 @@
           </a:stretch>
         </p:blipFill>
         <p:spPr>
+          <a:xfrm rot="21394508">
+            <a:off x="1835790" y="2429374"/>
+            <a:ext cx="8030227" cy="2388991"/>
+          </a:xfrm>
+          <a:prstGeom prst="roundRect">
+            <a:avLst>
+              <a:gd name="adj" fmla="val 4167"/>
+            </a:avLst>
+          </a:prstGeom>
+          <a:solidFill>
+            <a:srgbClr val="FFFFFF"/>
+          </a:solidFill>
+          <a:ln w="76200" cap="sq">
+            <a:solidFill>
+              <a:srgbClr val="EAEAEA"/>
+            </a:solidFill>
+            <a:miter lim="800000"/>
+          </a:ln>
+          <a:effectLst>
+            <a:reflection blurRad="12700" stA="33000" endPos="28000" dist="5000" dir="5400000" sy="-100000" algn="bl" rotWithShape="0"/>
+          </a:effectLst>
+          <a:scene3d>
+            <a:camera prst="orthographicFront"/>
+            <a:lightRig rig="threePt" dir="t">
+              <a:rot lat="0" lon="0" rev="2700000"/>
+            </a:lightRig>
+          </a:scene3d>
+          <a:sp3d contourW="6350">
+            <a:bevelT h="38100"/>
+            <a:contourClr>
+              <a:srgbClr val="C0C0C0"/>
+            </a:contourClr>
+          </a:sp3d>
+        </p:spPr>
+      </p:pic>
+      <p:sp>
+        <p:nvSpPr>
+          <p:cNvPr id="9" name="Subtitle 6">
+            <a:extLst>
+              <a:ext uri="{FF2B5EF4-FFF2-40B4-BE49-F238E27FC236}">
+                <a16:creationId xmlns:a16="http://schemas.microsoft.com/office/drawing/2014/main" id="{2865C598-2C53-ED41-B3CB-C81F3FB7C796}"/>
+              </a:ext>
+            </a:extLst>
+          </p:cNvPr>
+          <p:cNvSpPr txBox="1">
+            <a:spLocks/>
+          </p:cNvSpPr>
+          <p:nvPr/>
+        </p:nvSpPr>
+        <p:spPr>
           <a:xfrm>
-            <a:off x="677374" y="2958934"/>
-            <a:ext cx="10325589" cy="3071861"/>
+            <a:off x="684225" y="1172951"/>
+            <a:ext cx="9047447" cy="846978"/>
           </a:xfrm>
           <a:prstGeom prst="rect">
             <a:avLst/>
           </a:prstGeom>
         </p:spPr>
-      </p:pic>
+        <p:txBody>
+          <a:bodyPr vert="horz" lIns="91440" tIns="45720" rIns="91440" bIns="45720" rtlCol="0" anchor="ctr">
+            <a:normAutofit lnSpcReduction="10000"/>
+          </a:bodyPr>
+          <a:lstStyle>
+            <a:lvl1pPr marL="0" indent="0" algn="l" defTabSz="914400" rtl="0" eaLnBrk="1" latinLnBrk="0" hangingPunct="1">
+              <a:lnSpc>
+                <a:spcPct val="110000"/>
+              </a:lnSpc>
+              <a:spcBef>
+                <a:spcPts val="1000"/>
+              </a:spcBef>
+              <a:buClr>
+                <a:schemeClr val="tx2">
+                  <a:lumMod val="50000"/>
+                  <a:lumOff val="50000"/>
+                </a:schemeClr>
+              </a:buClr>
+              <a:buSzPct val="75000"/>
+              <a:buFont typeface="Wingdings" panose="05000000000000000000" pitchFamily="2" charset="2"/>
+              <a:buNone/>
+              <a:defRPr sz="2400" kern="1200">
+                <a:solidFill>
+                  <a:schemeClr val="tx2"/>
+                </a:solidFill>
+                <a:latin typeface="+mn-lt"/>
+                <a:ea typeface="+mn-ea"/>
+                <a:cs typeface="+mn-cs"/>
+              </a:defRPr>
+            </a:lvl1pPr>
+            <a:lvl2pPr marL="457200" indent="0" algn="ctr" defTabSz="914400" rtl="0" eaLnBrk="1" latinLnBrk="0" hangingPunct="1">
+              <a:lnSpc>
+                <a:spcPct val="110000"/>
+              </a:lnSpc>
+              <a:spcBef>
+                <a:spcPts val="500"/>
+              </a:spcBef>
+              <a:buClr>
+                <a:schemeClr val="tx2">
+                  <a:lumMod val="50000"/>
+                  <a:lumOff val="50000"/>
+                </a:schemeClr>
+              </a:buClr>
+              <a:buSzPct val="75000"/>
+              <a:buFont typeface="Wingdings" panose="05000000000000000000" pitchFamily="2" charset="2"/>
+              <a:buNone/>
+              <a:defRPr sz="2000" kern="1200">
+                <a:solidFill>
+                  <a:schemeClr val="tx2"/>
+                </a:solidFill>
+                <a:latin typeface="+mn-lt"/>
+                <a:ea typeface="+mn-ea"/>
+                <a:cs typeface="+mn-cs"/>
+              </a:defRPr>
+            </a:lvl2pPr>
+            <a:lvl3pPr marL="914400" indent="0" algn="ctr" defTabSz="914400" rtl="0" eaLnBrk="1" latinLnBrk="0" hangingPunct="1">
+              <a:lnSpc>
+                <a:spcPct val="110000"/>
+              </a:lnSpc>
+              <a:spcBef>
+                <a:spcPts val="500"/>
+              </a:spcBef>
+              <a:buClr>
+                <a:schemeClr val="tx2">
+                  <a:lumMod val="50000"/>
+                  <a:lumOff val="50000"/>
+                </a:schemeClr>
+              </a:buClr>
+              <a:buSzPct val="75000"/>
+              <a:buFont typeface="Wingdings" panose="05000000000000000000" pitchFamily="2" charset="2"/>
+              <a:buNone/>
+              <a:defRPr sz="1800" kern="1200">
+                <a:solidFill>
+                  <a:schemeClr val="tx2"/>
+                </a:solidFill>
+                <a:latin typeface="+mn-lt"/>
+                <a:ea typeface="+mn-ea"/>
+                <a:cs typeface="+mn-cs"/>
+              </a:defRPr>
+            </a:lvl3pPr>
+            <a:lvl4pPr marL="1371600" indent="0" algn="ctr" defTabSz="914400" rtl="0" eaLnBrk="1" latinLnBrk="0" hangingPunct="1">
+              <a:lnSpc>
+                <a:spcPct val="110000"/>
+              </a:lnSpc>
+              <a:spcBef>
+                <a:spcPts val="500"/>
+              </a:spcBef>
+              <a:buClr>
+                <a:schemeClr val="tx2">
+                  <a:lumMod val="50000"/>
+                  <a:lumOff val="50000"/>
+                </a:schemeClr>
+              </a:buClr>
+              <a:buSzPct val="75000"/>
+              <a:buFont typeface="Wingdings" panose="05000000000000000000" pitchFamily="2" charset="2"/>
+              <a:buNone/>
+              <a:defRPr sz="1600" kern="1200">
+                <a:solidFill>
+                  <a:schemeClr val="tx2"/>
+                </a:solidFill>
+                <a:latin typeface="+mn-lt"/>
+                <a:ea typeface="+mn-ea"/>
+                <a:cs typeface="+mn-cs"/>
+              </a:defRPr>
+            </a:lvl4pPr>
+            <a:lvl5pPr marL="1828800" indent="0" algn="ctr" defTabSz="914400" rtl="0" eaLnBrk="1" latinLnBrk="0" hangingPunct="1">
+              <a:lnSpc>
+                <a:spcPct val="110000"/>
+              </a:lnSpc>
+              <a:spcBef>
+                <a:spcPts val="500"/>
+              </a:spcBef>
+              <a:buClr>
+                <a:schemeClr val="tx2">
+                  <a:lumMod val="50000"/>
+                  <a:lumOff val="50000"/>
+                </a:schemeClr>
+              </a:buClr>
+              <a:buSzPct val="75000"/>
+              <a:buFont typeface="Wingdings" panose="05000000000000000000" pitchFamily="2" charset="2"/>
+              <a:buNone/>
+              <a:defRPr sz="1600" kern="1200">
+                <a:solidFill>
+                  <a:schemeClr val="tx2"/>
+                </a:solidFill>
+                <a:latin typeface="+mn-lt"/>
+                <a:ea typeface="+mn-ea"/>
+                <a:cs typeface="+mn-cs"/>
+              </a:defRPr>
+            </a:lvl5pPr>
+            <a:lvl6pPr marL="2286000" indent="0" algn="ctr" defTabSz="914400" rtl="0" eaLnBrk="1" latinLnBrk="0" hangingPunct="1">
+              <a:lnSpc>
+                <a:spcPct val="90000"/>
+              </a:lnSpc>
+              <a:spcBef>
+                <a:spcPts val="500"/>
+              </a:spcBef>
+              <a:buFont typeface="Arial" panose="020B0604020202020204" pitchFamily="34" charset="0"/>
+              <a:buNone/>
+              <a:defRPr sz="1600" kern="1200">
+                <a:solidFill>
+                  <a:schemeClr val="tx1"/>
+                </a:solidFill>
+                <a:latin typeface="+mn-lt"/>
+                <a:ea typeface="+mn-ea"/>
+                <a:cs typeface="+mn-cs"/>
+              </a:defRPr>
+            </a:lvl6pPr>
+            <a:lvl7pPr marL="2743200" indent="0" algn="ctr" defTabSz="914400" rtl="0" eaLnBrk="1" latinLnBrk="0" hangingPunct="1">
+              <a:lnSpc>
+                <a:spcPct val="90000"/>
+              </a:lnSpc>
+              <a:spcBef>
+                <a:spcPts val="500"/>
+              </a:spcBef>
+              <a:buFont typeface="Arial" panose="020B0604020202020204" pitchFamily="34" charset="0"/>
+              <a:buNone/>
+              <a:defRPr sz="1600" kern="1200">
+                <a:solidFill>
+                  <a:schemeClr val="tx1"/>
+                </a:solidFill>
+                <a:latin typeface="+mn-lt"/>
+                <a:ea typeface="+mn-ea"/>
+                <a:cs typeface="+mn-cs"/>
+              </a:defRPr>
+            </a:lvl7pPr>
+            <a:lvl8pPr marL="3200400" indent="0" algn="ctr" defTabSz="914400" rtl="0" eaLnBrk="1" latinLnBrk="0" hangingPunct="1">
+              <a:lnSpc>
+                <a:spcPct val="90000"/>
+              </a:lnSpc>
+              <a:spcBef>
+                <a:spcPts val="500"/>
+              </a:spcBef>
+              <a:buFont typeface="Arial" panose="020B0604020202020204" pitchFamily="34" charset="0"/>
+              <a:buNone/>
+              <a:defRPr sz="1600" kern="1200">
+                <a:solidFill>
+                  <a:schemeClr val="tx1"/>
+                </a:solidFill>
+                <a:latin typeface="+mn-lt"/>
+                <a:ea typeface="+mn-ea"/>
+                <a:cs typeface="+mn-cs"/>
+              </a:defRPr>
+            </a:lvl8pPr>
+            <a:lvl9pPr marL="3657600" indent="0" algn="ctr" defTabSz="914400" rtl="0" eaLnBrk="1" latinLnBrk="0" hangingPunct="1">
+              <a:lnSpc>
+                <a:spcPct val="90000"/>
+              </a:lnSpc>
+              <a:spcBef>
+                <a:spcPts val="500"/>
+              </a:spcBef>
+              <a:buFont typeface="Arial" panose="020B0604020202020204" pitchFamily="34" charset="0"/>
+              <a:buNone/>
+              <a:defRPr sz="1600" kern="1200">
+                <a:solidFill>
+                  <a:schemeClr val="tx1"/>
+                </a:solidFill>
+                <a:latin typeface="+mn-lt"/>
+                <a:ea typeface="+mn-ea"/>
+                <a:cs typeface="+mn-cs"/>
+              </a:defRPr>
+            </a:lvl9pPr>
+          </a:lstStyle>
+          <a:p>
+            <a:r>
+              <a:rPr lang="en-SG" dirty="0"/>
+              <a:t>Choong Zhan Hong, </a:t>
+            </a:r>
+            <a:r>
+              <a:rPr lang="en-SG" dirty="0" err="1"/>
+              <a:t>Christabelle</a:t>
+            </a:r>
+            <a:r>
+              <a:rPr lang="en-SG" dirty="0"/>
+              <a:t> Fredda </a:t>
+            </a:r>
+            <a:r>
+              <a:rPr lang="en-SG" dirty="0" err="1"/>
+              <a:t>Thevandi</a:t>
+            </a:r>
+            <a:r>
+              <a:rPr lang="en-SG" dirty="0"/>
+              <a:t>, Lim Rui Xiong, Ng Yu Zhong, Park So Hyun, Soh Xin Wei</a:t>
+            </a:r>
+          </a:p>
+        </p:txBody>
+      </p:sp>
+      <p:sp>
+        <p:nvSpPr>
+          <p:cNvPr id="11" name="TextBox 10">
+            <a:extLst>
+              <a:ext uri="{FF2B5EF4-FFF2-40B4-BE49-F238E27FC236}">
+                <a16:creationId xmlns:a16="http://schemas.microsoft.com/office/drawing/2014/main" id="{7312CA11-7CB1-1C74-8BA0-2FDF39E7C69E}"/>
+              </a:ext>
+            </a:extLst>
+          </p:cNvPr>
+          <p:cNvSpPr txBox="1"/>
+          <p:nvPr/>
+        </p:nvSpPr>
+        <p:spPr>
+          <a:xfrm>
+            <a:off x="2879369" y="5293940"/>
+            <a:ext cx="6115574" cy="369332"/>
+          </a:xfrm>
+          <a:prstGeom prst="rect">
+            <a:avLst/>
+          </a:prstGeom>
+          <a:solidFill>
+            <a:schemeClr val="accent1">
+              <a:lumMod val="20000"/>
+              <a:lumOff val="80000"/>
+            </a:schemeClr>
+          </a:solidFill>
+        </p:spPr>
+        <p:txBody>
+          <a:bodyPr wrap="square">
+            <a:spAutoFit/>
+          </a:bodyPr>
+          <a:lstStyle/>
+          <a:p>
+            <a:pPr algn="ctr"/>
+            <a:r>
+              <a:rPr lang="en-SG" dirty="0">
+                <a:solidFill>
+                  <a:schemeClr val="tx2"/>
+                </a:solidFill>
+              </a:rPr>
+              <a:t>User Interaction and Interface principles explored in VR</a:t>
+            </a:r>
+          </a:p>
+        </p:txBody>
+      </p:sp>
     </p:spTree>
     <p:extLst>
       <p:ext uri="{BB962C8B-B14F-4D97-AF65-F5344CB8AC3E}">

--- a/docs/STEPS_SLIDESHOW.pptx
+++ b/docs/STEPS_SLIDESHOW.pptx
@@ -7,6 +7,8 @@
   <p:sldIdLst>
     <p:sldId id="256" r:id="rId2"/>
     <p:sldId id="257" r:id="rId3"/>
+    <p:sldId id="259" r:id="rId4"/>
+    <p:sldId id="258" r:id="rId5"/>
   </p:sldIdLst>
   <p:sldSz cx="12192000" cy="6858000"/>
   <p:notesSz cx="6858000" cy="9144000"/>
@@ -105,6 +107,11 @@
       </a:defRPr>
     </a:lvl9pPr>
   </p:defaultTextStyle>
+  <p:extLst>
+    <p:ext uri="{EFAFB233-063F-42B5-8137-9DF3F51BA10A}">
+      <p15:sldGuideLst xmlns:p15="http://schemas.microsoft.com/office/powerpoint/2012/main"/>
+    </p:ext>
+  </p:extLst>
 </p:presentation>
 </file>
 
@@ -1772,7 +1779,7 @@
           <a:p>
             <a:fld id="{8F72BA41-EC5B-4197-BCC8-0FD2E523CD7A}" type="datetimeFigureOut">
               <a:rPr lang="en-US" smtClean="0"/>
-              <a:t>3/30/2023</a:t>
+              <a:t>3/31/2023</a:t>
             </a:fld>
             <a:endParaRPr lang="en-US"/>
           </a:p>
@@ -1975,7 +1982,7 @@
           <a:p>
             <a:fld id="{8F72BA41-EC5B-4197-BCC8-0FD2E523CD7A}" type="datetimeFigureOut">
               <a:rPr lang="en-US" smtClean="0"/>
-              <a:t>3/30/2023</a:t>
+              <a:t>3/31/2023</a:t>
             </a:fld>
             <a:endParaRPr lang="en-US"/>
           </a:p>
@@ -3696,7 +3703,7 @@
           <a:p>
             <a:fld id="{8F72BA41-EC5B-4197-BCC8-0FD2E523CD7A}" type="datetimeFigureOut">
               <a:rPr lang="en-US" smtClean="0"/>
-              <a:t>3/30/2023</a:t>
+              <a:t>3/31/2023</a:t>
             </a:fld>
             <a:endParaRPr lang="en-US"/>
           </a:p>
@@ -3805,13 +3812,16 @@
         <p:spPr/>
         <p:txBody>
           <a:bodyPr/>
-          <a:lstStyle/>
+          <a:lstStyle>
+            <a:lvl1pPr>
+              <a:defRPr b="1"/>
+            </a:lvl1pPr>
+          </a:lstStyle>
           <a:p>
             <a:r>
-              <a:rPr lang="en-US"/>
+              <a:rPr lang="en-US" dirty="0"/>
               <a:t>Click to edit Master title style</a:t>
             </a:r>
-            <a:endParaRPr lang="en-US" dirty="0"/>
           </a:p>
         </p:txBody>
       </p:sp>
@@ -3838,35 +3848,35 @@
           <a:p>
             <a:pPr lvl="0"/>
             <a:r>
-              <a:rPr lang="en-US"/>
+              <a:rPr lang="en-US" dirty="0"/>
               <a:t>Click to edit Master text styles</a:t>
             </a:r>
           </a:p>
           <a:p>
             <a:pPr lvl="1"/>
             <a:r>
-              <a:rPr lang="en-US"/>
+              <a:rPr lang="en-US" dirty="0"/>
               <a:t>Second level</a:t>
             </a:r>
           </a:p>
           <a:p>
             <a:pPr lvl="2"/>
             <a:r>
-              <a:rPr lang="en-US"/>
+              <a:rPr lang="en-US" dirty="0"/>
               <a:t>Third level</a:t>
             </a:r>
           </a:p>
           <a:p>
             <a:pPr lvl="3"/>
             <a:r>
-              <a:rPr lang="en-US"/>
+              <a:rPr lang="en-US" dirty="0"/>
               <a:t>Fourth level</a:t>
             </a:r>
           </a:p>
           <a:p>
             <a:pPr lvl="4"/>
             <a:r>
-              <a:rPr lang="en-US"/>
+              <a:rPr lang="en-US" dirty="0"/>
               <a:t>Fifth level</a:t>
             </a:r>
           </a:p>
@@ -3895,7 +3905,7 @@
           <a:p>
             <a:fld id="{8F72BA41-EC5B-4197-BCC8-0FD2E523CD7A}" type="datetimeFigureOut">
               <a:rPr lang="en-US" smtClean="0"/>
-              <a:t>3/30/2023</a:t>
+              <a:t>3/31/2023</a:t>
             </a:fld>
             <a:endParaRPr lang="en-US"/>
           </a:p>
@@ -5685,7 +5695,7 @@
           <a:p>
             <a:fld id="{8F72BA41-EC5B-4197-BCC8-0FD2E523CD7A}" type="datetimeFigureOut">
               <a:rPr lang="en-US" smtClean="0"/>
-              <a:t>3/30/2023</a:t>
+              <a:t>3/31/2023</a:t>
             </a:fld>
             <a:endParaRPr lang="en-US"/>
           </a:p>
@@ -5958,7 +5968,7 @@
           <a:p>
             <a:fld id="{8F72BA41-EC5B-4197-BCC8-0FD2E523CD7A}" type="datetimeFigureOut">
               <a:rPr lang="en-US" smtClean="0"/>
-              <a:t>3/30/2023</a:t>
+              <a:t>3/31/2023</a:t>
             </a:fld>
             <a:endParaRPr lang="en-US"/>
           </a:p>
@@ -6378,7 +6388,7 @@
           <a:p>
             <a:fld id="{8F72BA41-EC5B-4197-BCC8-0FD2E523CD7A}" type="datetimeFigureOut">
               <a:rPr lang="en-US" smtClean="0"/>
-              <a:t>3/30/2023</a:t>
+              <a:t>3/31/2023</a:t>
             </a:fld>
             <a:endParaRPr lang="en-US"/>
           </a:p>
@@ -6534,7 +6544,7 @@
           <a:p>
             <a:fld id="{8F72BA41-EC5B-4197-BCC8-0FD2E523CD7A}" type="datetimeFigureOut">
               <a:rPr lang="en-US" smtClean="0"/>
-              <a:t>3/30/2023</a:t>
+              <a:t>3/31/2023</a:t>
             </a:fld>
             <a:endParaRPr lang="en-US"/>
           </a:p>
@@ -8102,7 +8112,7 @@
           <a:p>
             <a:fld id="{8F72BA41-EC5B-4197-BCC8-0FD2E523CD7A}" type="datetimeFigureOut">
               <a:rPr lang="en-US" smtClean="0"/>
-              <a:t>3/30/2023</a:t>
+              <a:t>3/31/2023</a:t>
             </a:fld>
             <a:endParaRPr lang="en-US"/>
           </a:p>
@@ -9953,7 +9963,7 @@
           <a:p>
             <a:fld id="{8F72BA41-EC5B-4197-BCC8-0FD2E523CD7A}" type="datetimeFigureOut">
               <a:rPr lang="en-US" smtClean="0"/>
-              <a:t>3/30/2023</a:t>
+              <a:t>3/31/2023</a:t>
             </a:fld>
             <a:endParaRPr lang="en-US"/>
           </a:p>
@@ -11766,7 +11776,7 @@
           <a:p>
             <a:fld id="{8F72BA41-EC5B-4197-BCC8-0FD2E523CD7A}" type="datetimeFigureOut">
               <a:rPr lang="en-US" smtClean="0"/>
-              <a:t>3/30/2023</a:t>
+              <a:t>3/31/2023</a:t>
             </a:fld>
             <a:endParaRPr lang="en-US"/>
           </a:p>
@@ -13458,7 +13468,7 @@
             <a:fld id="{8F72BA41-EC5B-4197-BCC8-0FD2E523CD7A}" type="datetimeFigureOut">
               <a:rPr lang="en-US" smtClean="0"/>
               <a:pPr/>
-              <a:t>3/30/2023</a:t>
+              <a:t>3/31/2023</a:t>
             </a:fld>
             <a:endParaRPr lang="en-US" dirty="0"/>
           </a:p>
@@ -16365,13 +16375,21 @@
           <a:prstGeom prst="rect">
             <a:avLst/>
           </a:prstGeom>
-          <a:solidFill>
-            <a:schemeClr val="accent1">
-              <a:lumMod val="20000"/>
-              <a:lumOff val="80000"/>
-            </a:schemeClr>
-          </a:solidFill>
         </p:spPr>
+        <p:style>
+          <a:lnRef idx="2">
+            <a:schemeClr val="accent4"/>
+          </a:lnRef>
+          <a:fillRef idx="1">
+            <a:schemeClr val="lt1"/>
+          </a:fillRef>
+          <a:effectRef idx="0">
+            <a:schemeClr val="accent4"/>
+          </a:effectRef>
+          <a:fontRef idx="minor">
+            <a:schemeClr val="dk1"/>
+          </a:fontRef>
+        </p:style>
         <p:txBody>
           <a:bodyPr wrap="square">
             <a:spAutoFit/>
@@ -16443,7 +16461,7 @@
           <a:p>
             <a:r>
               <a:rPr lang="en-SG" dirty="0"/>
-              <a:t>This is a title.</a:t>
+              <a:t>Introduction</a:t>
             </a:r>
           </a:p>
         </p:txBody>
@@ -16469,7 +16487,46 @@
           <a:bodyPr/>
           <a:lstStyle/>
           <a:p>
-            <a:endParaRPr lang="en-SG"/>
+            <a:r>
+              <a:rPr lang="en-SG" dirty="0"/>
+              <a:t>Intuitive (stylised as </a:t>
+            </a:r>
+            <a:r>
+              <a:rPr lang="en-SG" b="1" dirty="0">
+                <a:solidFill>
+                  <a:schemeClr val="accent1"/>
+                </a:solidFill>
+              </a:rPr>
+              <a:t>intUItive!</a:t>
+            </a:r>
+            <a:r>
+              <a:rPr lang="en-SG" dirty="0"/>
+              <a:t>)</a:t>
+            </a:r>
+            <a:r>
+              <a:rPr lang="en-SG" b="1" dirty="0"/>
+              <a:t> </a:t>
+            </a:r>
+            <a:r>
+              <a:rPr lang="en-SG" dirty="0"/>
+              <a:t>is </a:t>
+            </a:r>
+            <a:r>
+              <a:rPr lang="en-US" dirty="0"/>
+              <a:t>a project to showcase </a:t>
+            </a:r>
+            <a:r>
+              <a:rPr lang="en-US" b="1" dirty="0">
+                <a:solidFill>
+                  <a:schemeClr val="accent1"/>
+                </a:solidFill>
+              </a:rPr>
+              <a:t>Virtual Reality (VR) user interface and user interaction (UI/UX) </a:t>
+            </a:r>
+            <a:r>
+              <a:rPr lang="en-US" dirty="0"/>
+              <a:t>principles in the VR environment itself.</a:t>
+            </a:r>
           </a:p>
         </p:txBody>
       </p:sp>
@@ -16477,6 +16534,190 @@
     <p:extLst>
       <p:ext uri="{BB962C8B-B14F-4D97-AF65-F5344CB8AC3E}">
         <p14:creationId xmlns:p14="http://schemas.microsoft.com/office/powerpoint/2010/main" val="741694452"/>
+      </p:ext>
+    </p:extLst>
+  </p:cSld>
+  <p:clrMapOvr>
+    <a:masterClrMapping/>
+  </p:clrMapOvr>
+</p:sld>
+</file>
+
+<file path=ppt/slides/slide3.xml><?xml version="1.0" encoding="utf-8"?>
+<p:sld xmlns:a="http://schemas.openxmlformats.org/drawingml/2006/main" xmlns:r="http://schemas.openxmlformats.org/officeDocument/2006/relationships" xmlns:p="http://schemas.openxmlformats.org/presentationml/2006/main">
+  <p:cSld>
+    <p:spTree>
+      <p:nvGrpSpPr>
+        <p:cNvPr id="1" name=""/>
+        <p:cNvGrpSpPr/>
+        <p:nvPr/>
+      </p:nvGrpSpPr>
+      <p:grpSpPr>
+        <a:xfrm>
+          <a:off x="0" y="0"/>
+          <a:ext cx="0" cy="0"/>
+          <a:chOff x="0" y="0"/>
+          <a:chExt cx="0" cy="0"/>
+        </a:xfrm>
+      </p:grpSpPr>
+      <p:sp>
+        <p:nvSpPr>
+          <p:cNvPr id="2" name="Title 1">
+            <a:extLst>
+              <a:ext uri="{FF2B5EF4-FFF2-40B4-BE49-F238E27FC236}">
+                <a16:creationId xmlns:a16="http://schemas.microsoft.com/office/drawing/2014/main" id="{262E452F-38CF-8E90-8788-52F7AB7AD64F}"/>
+              </a:ext>
+            </a:extLst>
+          </p:cNvPr>
+          <p:cNvSpPr>
+            <a:spLocks noGrp="1"/>
+          </p:cNvSpPr>
+          <p:nvPr>
+            <p:ph type="title"/>
+          </p:nvPr>
+        </p:nvSpPr>
+        <p:spPr/>
+        <p:txBody>
+          <a:bodyPr/>
+          <a:lstStyle/>
+          <a:p>
+            <a:r>
+              <a:rPr lang="en-SG" dirty="0"/>
+              <a:t>Objectives</a:t>
+            </a:r>
+          </a:p>
+        </p:txBody>
+      </p:sp>
+      <p:sp>
+        <p:nvSpPr>
+          <p:cNvPr id="3" name="Content Placeholder 2">
+            <a:extLst>
+              <a:ext uri="{FF2B5EF4-FFF2-40B4-BE49-F238E27FC236}">
+                <a16:creationId xmlns:a16="http://schemas.microsoft.com/office/drawing/2014/main" id="{78546883-490D-E328-D078-1EB0E66657D3}"/>
+              </a:ext>
+            </a:extLst>
+          </p:cNvPr>
+          <p:cNvSpPr>
+            <a:spLocks noGrp="1"/>
+          </p:cNvSpPr>
+          <p:nvPr>
+            <p:ph idx="1"/>
+          </p:nvPr>
+        </p:nvSpPr>
+        <p:spPr/>
+        <p:txBody>
+          <a:bodyPr/>
+          <a:lstStyle/>
+          <a:p>
+            <a:r>
+              <a:rPr lang="en-SG" dirty="0"/>
+              <a:t>Our project hopes to better internalise design principles through embodied teaching and experience.</a:t>
+            </a:r>
+          </a:p>
+          <a:p>
+            <a:r>
+              <a:rPr lang="en-SG" dirty="0"/>
+              <a:t>VR development paradigms are also fluid (not entirely set in stone), so we wish to allow the user to play around</a:t>
+            </a:r>
+          </a:p>
+        </p:txBody>
+      </p:sp>
+    </p:spTree>
+    <p:extLst>
+      <p:ext uri="{BB962C8B-B14F-4D97-AF65-F5344CB8AC3E}">
+        <p14:creationId xmlns:p14="http://schemas.microsoft.com/office/powerpoint/2010/main" val="2832426052"/>
+      </p:ext>
+    </p:extLst>
+  </p:cSld>
+  <p:clrMapOvr>
+    <a:masterClrMapping/>
+  </p:clrMapOvr>
+</p:sld>
+</file>
+
+<file path=ppt/slides/slide4.xml><?xml version="1.0" encoding="utf-8"?>
+<p:sld xmlns:a="http://schemas.openxmlformats.org/drawingml/2006/main" xmlns:r="http://schemas.openxmlformats.org/officeDocument/2006/relationships" xmlns:p="http://schemas.openxmlformats.org/presentationml/2006/main">
+  <p:cSld>
+    <p:spTree>
+      <p:nvGrpSpPr>
+        <p:cNvPr id="1" name=""/>
+        <p:cNvGrpSpPr/>
+        <p:nvPr/>
+      </p:nvGrpSpPr>
+      <p:grpSpPr>
+        <a:xfrm>
+          <a:off x="0" y="0"/>
+          <a:ext cx="0" cy="0"/>
+          <a:chOff x="0" y="0"/>
+          <a:chExt cx="0" cy="0"/>
+        </a:xfrm>
+      </p:grpSpPr>
+      <p:pic>
+        <p:nvPicPr>
+          <p:cNvPr id="2" name="Picture 1" descr="Text&#10;&#10;Description automatically generated">
+            <a:extLst>
+              <a:ext uri="{FF2B5EF4-FFF2-40B4-BE49-F238E27FC236}">
+                <a16:creationId xmlns:a16="http://schemas.microsoft.com/office/drawing/2014/main" id="{A229E68E-EA02-D876-AC4D-23FA527FA371}"/>
+              </a:ext>
+            </a:extLst>
+          </p:cNvPr>
+          <p:cNvPicPr>
+            <a:picLocks noChangeAspect="1"/>
+          </p:cNvPicPr>
+          <p:nvPr/>
+        </p:nvPicPr>
+        <p:blipFill>
+          <a:blip r:embed="rId2">
+            <a:extLst>
+              <a:ext uri="{28A0092B-C50C-407E-A947-70E740481C1C}">
+                <a14:useLocalDpi xmlns:a14="http://schemas.microsoft.com/office/drawing/2010/main" val="0"/>
+              </a:ext>
+            </a:extLst>
+          </a:blip>
+          <a:stretch>
+            <a:fillRect/>
+          </a:stretch>
+        </p:blipFill>
+        <p:spPr>
+          <a:xfrm rot="21394508">
+            <a:off x="2080886" y="1984756"/>
+            <a:ext cx="8030227" cy="2388991"/>
+          </a:xfrm>
+          <a:prstGeom prst="roundRect">
+            <a:avLst>
+              <a:gd name="adj" fmla="val 4167"/>
+            </a:avLst>
+          </a:prstGeom>
+          <a:solidFill>
+            <a:srgbClr val="FFFFFF"/>
+          </a:solidFill>
+          <a:ln w="76200" cap="sq">
+            <a:solidFill>
+              <a:srgbClr val="EAEAEA"/>
+            </a:solidFill>
+            <a:miter lim="800000"/>
+          </a:ln>
+          <a:effectLst>
+            <a:reflection blurRad="12700" stA="33000" endPos="28000" dist="5000" dir="5400000" sy="-100000" algn="bl" rotWithShape="0"/>
+          </a:effectLst>
+          <a:scene3d>
+            <a:camera prst="orthographicFront"/>
+            <a:lightRig rig="threePt" dir="t">
+              <a:rot lat="0" lon="0" rev="2700000"/>
+            </a:lightRig>
+          </a:scene3d>
+          <a:sp3d contourW="6350">
+            <a:bevelT h="38100"/>
+            <a:contourClr>
+              <a:srgbClr val="C0C0C0"/>
+            </a:contourClr>
+          </a:sp3d>
+        </p:spPr>
+      </p:pic>
+    </p:spTree>
+    <p:extLst>
+      <p:ext uri="{BB962C8B-B14F-4D97-AF65-F5344CB8AC3E}">
+        <p14:creationId xmlns:p14="http://schemas.microsoft.com/office/powerpoint/2010/main" val="1813500437"/>
       </p:ext>
     </p:extLst>
   </p:cSld>
